--- a/references/logic_explanation.pptx
+++ b/references/logic_explanation.pptx
@@ -7,6 +7,7 @@
   <p:sldIdLst>
     <p:sldId id="256" r:id="rId2"/>
     <p:sldId id="257" r:id="rId3"/>
+    <p:sldId id="258" r:id="rId4"/>
   </p:sldIdLst>
   <p:sldSz cx="12192000" cy="6858000"/>
   <p:notesSz cx="6858000" cy="9144000"/>
@@ -3129,7 +3130,7 @@
           <a:p>
             <a:fld id="{0B0C7246-491F-4926-8365-12C835F6D6C0}" type="datetimeFigureOut">
               <a:rPr lang="LID4096" smtClean="0"/>
-              <a:t>03/30/2022</a:t>
+              <a:t>04/08/2022</a:t>
             </a:fld>
             <a:endParaRPr lang="LID4096"/>
           </a:p>
@@ -3329,7 +3330,7 @@
           <a:p>
             <a:fld id="{0B0C7246-491F-4926-8365-12C835F6D6C0}" type="datetimeFigureOut">
               <a:rPr lang="LID4096" smtClean="0"/>
-              <a:t>03/30/2022</a:t>
+              <a:t>04/08/2022</a:t>
             </a:fld>
             <a:endParaRPr lang="LID4096"/>
           </a:p>
@@ -3539,7 +3540,7 @@
           <a:p>
             <a:fld id="{0B0C7246-491F-4926-8365-12C835F6D6C0}" type="datetimeFigureOut">
               <a:rPr lang="LID4096" smtClean="0"/>
-              <a:t>03/30/2022</a:t>
+              <a:t>04/08/2022</a:t>
             </a:fld>
             <a:endParaRPr lang="LID4096"/>
           </a:p>
@@ -3739,7 +3740,7 @@
           <a:p>
             <a:fld id="{0B0C7246-491F-4926-8365-12C835F6D6C0}" type="datetimeFigureOut">
               <a:rPr lang="LID4096" smtClean="0"/>
-              <a:t>03/30/2022</a:t>
+              <a:t>04/08/2022</a:t>
             </a:fld>
             <a:endParaRPr lang="LID4096"/>
           </a:p>
@@ -4015,7 +4016,7 @@
           <a:p>
             <a:fld id="{0B0C7246-491F-4926-8365-12C835F6D6C0}" type="datetimeFigureOut">
               <a:rPr lang="LID4096" smtClean="0"/>
-              <a:t>03/30/2022</a:t>
+              <a:t>04/08/2022</a:t>
             </a:fld>
             <a:endParaRPr lang="LID4096"/>
           </a:p>
@@ -4283,7 +4284,7 @@
           <a:p>
             <a:fld id="{0B0C7246-491F-4926-8365-12C835F6D6C0}" type="datetimeFigureOut">
               <a:rPr lang="LID4096" smtClean="0"/>
-              <a:t>03/30/2022</a:t>
+              <a:t>04/08/2022</a:t>
             </a:fld>
             <a:endParaRPr lang="LID4096"/>
           </a:p>
@@ -4698,7 +4699,7 @@
           <a:p>
             <a:fld id="{0B0C7246-491F-4926-8365-12C835F6D6C0}" type="datetimeFigureOut">
               <a:rPr lang="LID4096" smtClean="0"/>
-              <a:t>03/30/2022</a:t>
+              <a:t>04/08/2022</a:t>
             </a:fld>
             <a:endParaRPr lang="LID4096"/>
           </a:p>
@@ -4840,7 +4841,7 @@
           <a:p>
             <a:fld id="{0B0C7246-491F-4926-8365-12C835F6D6C0}" type="datetimeFigureOut">
               <a:rPr lang="LID4096" smtClean="0"/>
-              <a:t>03/30/2022</a:t>
+              <a:t>04/08/2022</a:t>
             </a:fld>
             <a:endParaRPr lang="LID4096"/>
           </a:p>
@@ -4953,7 +4954,7 @@
           <a:p>
             <a:fld id="{0B0C7246-491F-4926-8365-12C835F6D6C0}" type="datetimeFigureOut">
               <a:rPr lang="LID4096" smtClean="0"/>
-              <a:t>03/30/2022</a:t>
+              <a:t>04/08/2022</a:t>
             </a:fld>
             <a:endParaRPr lang="LID4096"/>
           </a:p>
@@ -5266,7 +5267,7 @@
           <a:p>
             <a:fld id="{0B0C7246-491F-4926-8365-12C835F6D6C0}" type="datetimeFigureOut">
               <a:rPr lang="LID4096" smtClean="0"/>
-              <a:t>03/30/2022</a:t>
+              <a:t>04/08/2022</a:t>
             </a:fld>
             <a:endParaRPr lang="LID4096"/>
           </a:p>
@@ -5555,7 +5556,7 @@
           <a:p>
             <a:fld id="{0B0C7246-491F-4926-8365-12C835F6D6C0}" type="datetimeFigureOut">
               <a:rPr lang="LID4096" smtClean="0"/>
-              <a:t>03/30/2022</a:t>
+              <a:t>04/08/2022</a:t>
             </a:fld>
             <a:endParaRPr lang="LID4096"/>
           </a:p>
@@ -5798,7 +5799,7 @@
           <a:p>
             <a:fld id="{0B0C7246-491F-4926-8365-12C835F6D6C0}" type="datetimeFigureOut">
               <a:rPr lang="LID4096" smtClean="0"/>
-              <a:t>03/30/2022</a:t>
+              <a:t>04/08/2022</a:t>
             </a:fld>
             <a:endParaRPr lang="LID4096"/>
           </a:p>
@@ -11750,48 +11751,12 @@
           <a:chExt cx="0" cy="0"/>
         </a:xfrm>
       </p:grpSpPr>
-      <p:sp>
-        <p:nvSpPr>
-          <p:cNvPr id="4" name="TextBox 3">
+      <p:pic>
+        <p:nvPicPr>
+          <p:cNvPr id="6" name="Picture 6" descr="Boston Dynamics Atlas robot demonstrates its skills - Geeky Gadgets">
             <a:extLst>
               <a:ext uri="{FF2B5EF4-FFF2-40B4-BE49-F238E27FC236}">
-                <a16:creationId xmlns:a16="http://schemas.microsoft.com/office/drawing/2014/main" id="{13D7C5D5-3F9B-4877-8747-80130108DDBB}"/>
-              </a:ext>
-            </a:extLst>
-          </p:cNvPr>
-          <p:cNvSpPr txBox="1"/>
-          <p:nvPr/>
-        </p:nvSpPr>
-        <p:spPr>
-          <a:xfrm>
-            <a:off x="415427" y="214883"/>
-            <a:ext cx="2726551" cy="338554"/>
-          </a:xfrm>
-          <a:prstGeom prst="rect">
-            <a:avLst/>
-          </a:prstGeom>
-          <a:noFill/>
-        </p:spPr>
-        <p:txBody>
-          <a:bodyPr wrap="square" rtlCol="0">
-            <a:spAutoFit/>
-          </a:bodyPr>
-          <a:lstStyle/>
-          <a:p>
-            <a:r>
-              <a:rPr lang="en-US" sz="1600" b="1" dirty="0"/>
-              <a:t>Federated Learning </a:t>
-            </a:r>
-            <a:endParaRPr lang="LID4096" sz="1600" b="1" dirty="0"/>
-          </a:p>
-        </p:txBody>
-      </p:sp>
-      <p:pic>
-        <p:nvPicPr>
-          <p:cNvPr id="1026" name="Picture 2" descr="DNA String Double Helix transparent PNG - StickPNG">
-            <a:extLst>
-              <a:ext uri="{FF2B5EF4-FFF2-40B4-BE49-F238E27FC236}">
-                <a16:creationId xmlns:a16="http://schemas.microsoft.com/office/drawing/2014/main" id="{F3437FCD-A544-47FD-9E6A-F16504012623}"/>
+                <a16:creationId xmlns:a16="http://schemas.microsoft.com/office/drawing/2014/main" id="{35A67C91-B2CC-442C-8BD1-20EBB26196D9}"/>
               </a:ext>
             </a:extLst>
           </p:cNvPr>
@@ -11802,7 +11767,26 @@
         </p:nvPicPr>
         <p:blipFill>
           <a:blip r:embed="rId2">
+            <a:duotone>
+              <a:schemeClr val="accent1">
+                <a:shade val="45000"/>
+                <a:satMod val="135000"/>
+              </a:schemeClr>
+              <a:prstClr val="white"/>
+            </a:duotone>
             <a:extLst>
+              <a:ext uri="{BEBA8EAE-BF5A-486C-A8C5-ECC9F3942E4B}">
+                <a14:imgProps xmlns:a14="http://schemas.microsoft.com/office/drawing/2010/main">
+                  <a14:imgLayer r:embed="rId3">
+                    <a14:imgEffect>
+                      <a14:backgroundRemoval t="6889" b="96667" l="10000" r="90000">
+                        <a14:foregroundMark x1="52429" y1="7111" x2="47143" y2="12444"/>
+                        <a14:foregroundMark x1="40571" y1="93333" x2="40429" y2="96667"/>
+                      </a14:backgroundRemoval>
+                    </a14:imgEffect>
+                  </a14:imgLayer>
+                </a14:imgProps>
+              </a:ext>
               <a:ext uri="{28A0092B-C50C-407E-A947-70E740481C1C}">
                 <a14:useLocalDpi xmlns:a14="http://schemas.microsoft.com/office/drawing/2010/main" val="0"/>
               </a:ext>
@@ -11815,8 +11799,8 @@
         </p:blipFill>
         <p:spPr bwMode="auto">
           <a:xfrm>
-            <a:off x="1707140" y="2015913"/>
-            <a:ext cx="1653280" cy="1235918"/>
+            <a:off x="121371" y="980168"/>
+            <a:ext cx="1435913" cy="835690"/>
           </a:xfrm>
           <a:prstGeom prst="rect">
             <a:avLst/>
@@ -11833,12 +11817,48 @@
           </a:extLst>
         </p:spPr>
       </p:pic>
+      <p:sp>
+        <p:nvSpPr>
+          <p:cNvPr id="4" name="TextBox 3">
+            <a:extLst>
+              <a:ext uri="{FF2B5EF4-FFF2-40B4-BE49-F238E27FC236}">
+                <a16:creationId xmlns:a16="http://schemas.microsoft.com/office/drawing/2014/main" id="{13D7C5D5-3F9B-4877-8747-80130108DDBB}"/>
+              </a:ext>
+            </a:extLst>
+          </p:cNvPr>
+          <p:cNvSpPr txBox="1"/>
+          <p:nvPr/>
+        </p:nvSpPr>
+        <p:spPr>
+          <a:xfrm>
+            <a:off x="415427" y="214883"/>
+            <a:ext cx="4722835" cy="338554"/>
+          </a:xfrm>
+          <a:prstGeom prst="rect">
+            <a:avLst/>
+          </a:prstGeom>
+          <a:noFill/>
+        </p:spPr>
+        <p:txBody>
+          <a:bodyPr wrap="square" rtlCol="0">
+            <a:spAutoFit/>
+          </a:bodyPr>
+          <a:lstStyle/>
+          <a:p>
+            <a:r>
+              <a:rPr lang="en-US" sz="1600" b="1" dirty="0"/>
+              <a:t>Federated Reinforcement Learning </a:t>
+            </a:r>
+            <a:endParaRPr lang="LID4096" sz="1600" b="1" dirty="0"/>
+          </a:p>
+        </p:txBody>
+      </p:sp>
       <p:pic>
         <p:nvPicPr>
-          <p:cNvPr id="6" name="Picture 6" descr="Boston Dynamics Atlas robot demonstrates its skills - Geeky Gadgets">
+          <p:cNvPr id="1026" name="Picture 2" descr="DNA String Double Helix transparent PNG - StickPNG">
             <a:extLst>
               <a:ext uri="{FF2B5EF4-FFF2-40B4-BE49-F238E27FC236}">
-                <a16:creationId xmlns:a16="http://schemas.microsoft.com/office/drawing/2014/main" id="{35A67C91-B2CC-442C-8BD1-20EBB26196D9}"/>
+                <a16:creationId xmlns:a16="http://schemas.microsoft.com/office/drawing/2014/main" id="{F3437FCD-A544-47FD-9E6A-F16504012623}"/>
               </a:ext>
             </a:extLst>
           </p:cNvPr>
@@ -11848,27 +11868,8 @@
           <p:nvPr/>
         </p:nvPicPr>
         <p:blipFill>
-          <a:blip r:embed="rId3">
-            <a:duotone>
-              <a:schemeClr val="accent1">
-                <a:shade val="45000"/>
-                <a:satMod val="135000"/>
-              </a:schemeClr>
-              <a:prstClr val="white"/>
-            </a:duotone>
+          <a:blip r:embed="rId4">
             <a:extLst>
-              <a:ext uri="{BEBA8EAE-BF5A-486C-A8C5-ECC9F3942E4B}">
-                <a14:imgProps xmlns:a14="http://schemas.microsoft.com/office/drawing/2010/main">
-                  <a14:imgLayer r:embed="rId4">
-                    <a14:imgEffect>
-                      <a14:backgroundRemoval t="6889" b="96667" l="10000" r="90000">
-                        <a14:foregroundMark x1="52429" y1="7111" x2="47143" y2="12444"/>
-                        <a14:foregroundMark x1="40571" y1="93333" x2="40429" y2="96667"/>
-                      </a14:backgroundRemoval>
-                    </a14:imgEffect>
-                  </a14:imgLayer>
-                </a14:imgProps>
-              </a:ext>
               <a:ext uri="{28A0092B-C50C-407E-A947-70E740481C1C}">
                 <a14:useLocalDpi xmlns:a14="http://schemas.microsoft.com/office/drawing/2010/main" val="0"/>
               </a:ext>
@@ -11880,9 +11881,9 @@
           </a:stretch>
         </p:blipFill>
         <p:spPr bwMode="auto">
-          <a:xfrm>
-            <a:off x="1778702" y="1297910"/>
-            <a:ext cx="1435913" cy="835690"/>
+          <a:xfrm rot="4909768">
+            <a:off x="904902" y="1070280"/>
+            <a:ext cx="870217" cy="697130"/>
           </a:xfrm>
           <a:prstGeom prst="rect">
             <a:avLst/>
@@ -11914,7 +11915,7 @@
           <p:nvPr/>
         </p:nvPicPr>
         <p:blipFill>
-          <a:blip r:embed="rId3">
+          <a:blip r:embed="rId2">
             <a:duotone>
               <a:schemeClr val="accent2">
                 <a:shade val="45000"/>
@@ -11925,7 +11926,7 @@
             <a:extLst>
               <a:ext uri="{BEBA8EAE-BF5A-486C-A8C5-ECC9F3942E4B}">
                 <a14:imgProps xmlns:a14="http://schemas.microsoft.com/office/drawing/2010/main">
-                  <a14:imgLayer r:embed="rId4">
+                  <a14:imgLayer r:embed="rId3">
                     <a14:imgEffect>
                       <a14:backgroundRemoval t="6889" b="96667" l="10000" r="90000">
                         <a14:foregroundMark x1="52429" y1="7111" x2="47143" y2="12444"/>
@@ -11947,7 +11948,7 @@
         </p:blipFill>
         <p:spPr bwMode="auto">
           <a:xfrm>
-            <a:off x="7513180" y="1281187"/>
+            <a:off x="4587241" y="954772"/>
             <a:ext cx="1454752" cy="919510"/>
           </a:xfrm>
           <a:prstGeom prst="rect">
@@ -11980,7 +11981,7 @@
           <p:nvPr/>
         </p:nvPicPr>
         <p:blipFill>
-          <a:blip r:embed="rId3">
+          <a:blip r:embed="rId2">
             <a:duotone>
               <a:schemeClr val="accent6">
                 <a:shade val="45000"/>
@@ -11991,7 +11992,7 @@
             <a:extLst>
               <a:ext uri="{BEBA8EAE-BF5A-486C-A8C5-ECC9F3942E4B}">
                 <a14:imgProps xmlns:a14="http://schemas.microsoft.com/office/drawing/2010/main">
-                  <a14:imgLayer r:embed="rId4">
+                  <a14:imgLayer r:embed="rId3">
                     <a14:imgEffect>
                       <a14:backgroundRemoval t="6889" b="96667" l="10000" r="90000">
                         <a14:foregroundMark x1="52429" y1="7111" x2="47143" y2="12444"/>
@@ -12013,7 +12014,7 @@
         </p:blipFill>
         <p:spPr bwMode="auto">
           <a:xfrm>
-            <a:off x="3640991" y="1286663"/>
+            <a:off x="1629007" y="983457"/>
             <a:ext cx="1357729" cy="858184"/>
           </a:xfrm>
           <a:prstGeom prst="rect">
@@ -12046,7 +12047,7 @@
           <p:nvPr/>
         </p:nvPicPr>
         <p:blipFill>
-          <a:blip r:embed="rId3">
+          <a:blip r:embed="rId2">
             <a:duotone>
               <a:schemeClr val="accent4">
                 <a:shade val="45000"/>
@@ -12057,7 +12058,7 @@
             <a:extLst>
               <a:ext uri="{BEBA8EAE-BF5A-486C-A8C5-ECC9F3942E4B}">
                 <a14:imgProps xmlns:a14="http://schemas.microsoft.com/office/drawing/2010/main">
-                  <a14:imgLayer r:embed="rId4">
+                  <a14:imgLayer r:embed="rId3">
                     <a14:imgEffect>
                       <a14:backgroundRemoval t="6889" b="96667" l="10000" r="90000">
                         <a14:foregroundMark x1="52429" y1="7111" x2="47143" y2="12444"/>
@@ -12079,170 +12080,8 @@
         </p:blipFill>
         <p:spPr bwMode="auto">
           <a:xfrm>
-            <a:off x="5547343" y="1299165"/>
+            <a:off x="3004216" y="977466"/>
             <a:ext cx="1357729" cy="858184"/>
-          </a:xfrm>
-          <a:prstGeom prst="rect">
-            <a:avLst/>
-          </a:prstGeom>
-          <a:noFill/>
-          <a:extLst>
-            <a:ext uri="{909E8E84-426E-40DD-AFC4-6F175D3DCCD1}">
-              <a14:hiddenFill xmlns:a14="http://schemas.microsoft.com/office/drawing/2010/main">
-                <a:solidFill>
-                  <a:srgbClr val="FFFFFF"/>
-                </a:solidFill>
-              </a14:hiddenFill>
-            </a:ext>
-          </a:extLst>
-        </p:spPr>
-      </p:pic>
-      <p:pic>
-        <p:nvPicPr>
-          <p:cNvPr id="10" name="Picture 2" descr="DNA String Double Helix transparent PNG - StickPNG">
-            <a:extLst>
-              <a:ext uri="{FF2B5EF4-FFF2-40B4-BE49-F238E27FC236}">
-                <a16:creationId xmlns:a16="http://schemas.microsoft.com/office/drawing/2014/main" id="{D1F91B33-289F-44EE-AE69-18BEFAEF5067}"/>
-              </a:ext>
-            </a:extLst>
-          </p:cNvPr>
-          <p:cNvPicPr>
-            <a:picLocks noChangeAspect="1" noChangeArrowheads="1"/>
-          </p:cNvPicPr>
-          <p:nvPr/>
-        </p:nvPicPr>
-        <p:blipFill>
-          <a:blip r:embed="rId2">
-            <a:duotone>
-              <a:schemeClr val="accent6">
-                <a:shade val="45000"/>
-                <a:satMod val="135000"/>
-              </a:schemeClr>
-              <a:prstClr val="white"/>
-            </a:duotone>
-            <a:extLst>
-              <a:ext uri="{28A0092B-C50C-407E-A947-70E740481C1C}">
-                <a14:useLocalDpi xmlns:a14="http://schemas.microsoft.com/office/drawing/2010/main" val="0"/>
-              </a:ext>
-            </a:extLst>
-          </a:blip>
-          <a:srcRect/>
-          <a:stretch>
-            <a:fillRect/>
-          </a:stretch>
-        </p:blipFill>
-        <p:spPr bwMode="auto">
-          <a:xfrm>
-            <a:off x="3580432" y="2021072"/>
-            <a:ext cx="1653280" cy="1235918"/>
-          </a:xfrm>
-          <a:prstGeom prst="rect">
-            <a:avLst/>
-          </a:prstGeom>
-          <a:noFill/>
-          <a:extLst>
-            <a:ext uri="{909E8E84-426E-40DD-AFC4-6F175D3DCCD1}">
-              <a14:hiddenFill xmlns:a14="http://schemas.microsoft.com/office/drawing/2010/main">
-                <a:solidFill>
-                  <a:srgbClr val="FFFFFF"/>
-                </a:solidFill>
-              </a14:hiddenFill>
-            </a:ext>
-          </a:extLst>
-        </p:spPr>
-      </p:pic>
-      <p:pic>
-        <p:nvPicPr>
-          <p:cNvPr id="11" name="Picture 2" descr="DNA String Double Helix transparent PNG - StickPNG">
-            <a:extLst>
-              <a:ext uri="{FF2B5EF4-FFF2-40B4-BE49-F238E27FC236}">
-                <a16:creationId xmlns:a16="http://schemas.microsoft.com/office/drawing/2014/main" id="{A7AC9190-EB6C-4500-8806-AB7D208783BC}"/>
-              </a:ext>
-            </a:extLst>
-          </p:cNvPr>
-          <p:cNvPicPr>
-            <a:picLocks noChangeAspect="1" noChangeArrowheads="1"/>
-          </p:cNvPicPr>
-          <p:nvPr/>
-        </p:nvPicPr>
-        <p:blipFill>
-          <a:blip r:embed="rId2">
-            <a:duotone>
-              <a:schemeClr val="accent4">
-                <a:shade val="45000"/>
-                <a:satMod val="135000"/>
-              </a:schemeClr>
-              <a:prstClr val="white"/>
-            </a:duotone>
-            <a:extLst>
-              <a:ext uri="{28A0092B-C50C-407E-A947-70E740481C1C}">
-                <a14:useLocalDpi xmlns:a14="http://schemas.microsoft.com/office/drawing/2010/main" val="0"/>
-              </a:ext>
-            </a:extLst>
-          </a:blip>
-          <a:srcRect/>
-          <a:stretch>
-            <a:fillRect/>
-          </a:stretch>
-        </p:blipFill>
-        <p:spPr bwMode="auto">
-          <a:xfrm>
-            <a:off x="5425096" y="2059913"/>
-            <a:ext cx="1653280" cy="1235918"/>
-          </a:xfrm>
-          <a:prstGeom prst="rect">
-            <a:avLst/>
-          </a:prstGeom>
-          <a:noFill/>
-          <a:extLst>
-            <a:ext uri="{909E8E84-426E-40DD-AFC4-6F175D3DCCD1}">
-              <a14:hiddenFill xmlns:a14="http://schemas.microsoft.com/office/drawing/2010/main">
-                <a:solidFill>
-                  <a:srgbClr val="FFFFFF"/>
-                </a:solidFill>
-              </a14:hiddenFill>
-            </a:ext>
-          </a:extLst>
-        </p:spPr>
-      </p:pic>
-      <p:pic>
-        <p:nvPicPr>
-          <p:cNvPr id="12" name="Picture 2" descr="DNA String Double Helix transparent PNG - StickPNG">
-            <a:extLst>
-              <a:ext uri="{FF2B5EF4-FFF2-40B4-BE49-F238E27FC236}">
-                <a16:creationId xmlns:a16="http://schemas.microsoft.com/office/drawing/2014/main" id="{7EE806EC-12BA-48F0-A926-6FA64F63408C}"/>
-              </a:ext>
-            </a:extLst>
-          </p:cNvPr>
-          <p:cNvPicPr>
-            <a:picLocks noChangeAspect="1" noChangeArrowheads="1"/>
-          </p:cNvPicPr>
-          <p:nvPr/>
-        </p:nvPicPr>
-        <p:blipFill>
-          <a:blip r:embed="rId2">
-            <a:duotone>
-              <a:schemeClr val="accent2">
-                <a:shade val="45000"/>
-                <a:satMod val="135000"/>
-              </a:schemeClr>
-              <a:prstClr val="white"/>
-            </a:duotone>
-            <a:extLst>
-              <a:ext uri="{28A0092B-C50C-407E-A947-70E740481C1C}">
-                <a14:useLocalDpi xmlns:a14="http://schemas.microsoft.com/office/drawing/2010/main" val="0"/>
-              </a:ext>
-            </a:extLst>
-          </a:blip>
-          <a:srcRect/>
-          <a:stretch>
-            <a:fillRect/>
-          </a:stretch>
-        </p:blipFill>
-        <p:spPr bwMode="auto">
-          <a:xfrm>
-            <a:off x="7392007" y="2059913"/>
-            <a:ext cx="1653280" cy="1235918"/>
           </a:xfrm>
           <a:prstGeom prst="rect">
             <a:avLst/>
@@ -12273,8 +12112,8 @@
         </p:nvSpPr>
         <p:spPr>
           <a:xfrm rot="16200000">
-            <a:off x="5280089" y="-581898"/>
-            <a:ext cx="290013" cy="7706298"/>
+            <a:off x="3175203" y="-776225"/>
+            <a:ext cx="290013" cy="5679283"/>
           </a:xfrm>
           <a:prstGeom prst="leftBrace">
             <a:avLst/>
@@ -12318,7 +12157,7 @@
         </p:nvSpPr>
         <p:spPr>
           <a:xfrm>
-            <a:off x="2193672" y="1021738"/>
+            <a:off x="630626" y="671457"/>
             <a:ext cx="605972" cy="246221"/>
           </a:xfrm>
           <a:prstGeom prst="rect">
@@ -12363,7 +12202,7 @@
         </p:nvSpPr>
         <p:spPr>
           <a:xfrm>
-            <a:off x="4016869" y="1004282"/>
+            <a:off x="2133368" y="661454"/>
             <a:ext cx="605972" cy="246221"/>
           </a:xfrm>
           <a:prstGeom prst="rect">
@@ -12408,7 +12247,7 @@
         </p:nvSpPr>
         <p:spPr>
           <a:xfrm>
-            <a:off x="5894836" y="1025219"/>
+            <a:off x="3481675" y="661454"/>
             <a:ext cx="713799" cy="246221"/>
           </a:xfrm>
           <a:prstGeom prst="rect">
@@ -12453,7 +12292,7 @@
         </p:nvSpPr>
         <p:spPr>
           <a:xfrm>
-            <a:off x="7937570" y="1004282"/>
+            <a:off x="5095310" y="667288"/>
             <a:ext cx="605972" cy="246221"/>
           </a:xfrm>
           <a:prstGeom prst="rect">
@@ -12499,7 +12338,7 @@
           <p:nvPr/>
         </p:nvPicPr>
         <p:blipFill>
-          <a:blip r:embed="rId3">
+          <a:blip r:embed="rId2">
             <a:duotone>
               <a:prstClr val="black"/>
               <a:srgbClr val="FF0000">
@@ -12510,7 +12349,7 @@
             <a:extLst>
               <a:ext uri="{BEBA8EAE-BF5A-486C-A8C5-ECC9F3942E4B}">
                 <a14:imgProps xmlns:a14="http://schemas.microsoft.com/office/drawing/2010/main">
-                  <a14:imgLayer r:embed="rId4">
+                  <a14:imgLayer r:embed="rId3">
                     <a14:imgEffect>
                       <a14:backgroundRemoval t="6889" b="96667" l="10000" r="90000">
                         <a14:foregroundMark x1="52429" y1="7111" x2="47143" y2="12444"/>
@@ -12532,7 +12371,7 @@
         </p:blipFill>
         <p:spPr bwMode="auto">
           <a:xfrm>
-            <a:off x="4706667" y="3820372"/>
+            <a:off x="2601781" y="2617814"/>
             <a:ext cx="1436855" cy="908199"/>
           </a:xfrm>
           <a:prstGeom prst="rect">
@@ -12564,7 +12403,7 @@
         </p:nvSpPr>
         <p:spPr>
           <a:xfrm>
-            <a:off x="4573413" y="3495204"/>
+            <a:off x="2532089" y="2311951"/>
             <a:ext cx="1606352" cy="246221"/>
           </a:xfrm>
           <a:prstGeom prst="rect">
@@ -12608,9 +12447,9 @@
           <p:nvPr/>
         </p:nvGrpSpPr>
         <p:grpSpPr>
-          <a:xfrm>
-            <a:off x="4551105" y="4442883"/>
-            <a:ext cx="1649530" cy="1235918"/>
+          <a:xfrm rot="4922982">
+            <a:off x="3452349" y="2722243"/>
+            <a:ext cx="880173" cy="734418"/>
             <a:chOff x="3640991" y="4881033"/>
             <a:chExt cx="1649530" cy="1235918"/>
           </a:xfrm>
@@ -12630,7 +12469,7 @@
             <p:nvPr/>
           </p:nvPicPr>
           <p:blipFill rotWithShape="1">
-            <a:blip r:embed="rId2">
+            <a:blip r:embed="rId4">
               <a:extLst>
                 <a:ext uri="{28A0092B-C50C-407E-A947-70E740481C1C}">
                   <a14:useLocalDpi xmlns:a14="http://schemas.microsoft.com/office/drawing/2010/main" val="0"/>
@@ -12675,7 +12514,7 @@
             <p:nvPr/>
           </p:nvPicPr>
           <p:blipFill rotWithShape="1">
-            <a:blip r:embed="rId2">
+            <a:blip r:embed="rId4">
               <a:duotone>
                 <a:schemeClr val="accent6">
                   <a:shade val="45000"/>
@@ -12727,7 +12566,7 @@
             <p:nvPr/>
           </p:nvPicPr>
           <p:blipFill rotWithShape="1">
-            <a:blip r:embed="rId2">
+            <a:blip r:embed="rId4">
               <a:duotone>
                 <a:schemeClr val="accent4">
                   <a:shade val="45000"/>
@@ -12779,7 +12618,7 @@
             <p:nvPr/>
           </p:nvPicPr>
           <p:blipFill rotWithShape="1">
-            <a:blip r:embed="rId2">
+            <a:blip r:embed="rId4">
               <a:duotone>
                 <a:schemeClr val="accent2">
                   <a:shade val="45000"/>
@@ -12831,7 +12670,7 @@
             <p:nvPr/>
           </p:nvPicPr>
           <p:blipFill rotWithShape="1">
-            <a:blip r:embed="rId2">
+            <a:blip r:embed="rId4">
               <a:duotone>
                 <a:prstClr val="black"/>
                 <a:srgbClr val="FF0000">
@@ -12869,25 +12708,409 @@
           </p:spPr>
         </p:pic>
       </p:grpSp>
+      <p:sp>
+        <p:nvSpPr>
+          <p:cNvPr id="42" name="TextBox 41">
+            <a:extLst>
+              <a:ext uri="{FF2B5EF4-FFF2-40B4-BE49-F238E27FC236}">
+                <a16:creationId xmlns:a16="http://schemas.microsoft.com/office/drawing/2014/main" id="{E4F2E7B2-3E5C-43F1-BA7F-D5CA06202168}"/>
+              </a:ext>
+            </a:extLst>
+          </p:cNvPr>
+          <p:cNvSpPr txBox="1"/>
+          <p:nvPr/>
+        </p:nvSpPr>
+        <p:spPr>
+          <a:xfrm>
+            <a:off x="4713138" y="2652854"/>
+            <a:ext cx="868537" cy="215444"/>
+          </a:xfrm>
+          <a:prstGeom prst="rect">
+            <a:avLst/>
+          </a:prstGeom>
+          <a:noFill/>
+        </p:spPr>
+        <p:txBody>
+          <a:bodyPr wrap="square" rtlCol="0">
+            <a:spAutoFit/>
+          </a:bodyPr>
+          <a:lstStyle/>
+          <a:p>
+            <a:r>
+              <a:rPr lang="en-US" sz="800" b="1" dirty="0">
+                <a:solidFill>
+                  <a:schemeClr val="accent1"/>
+                </a:solidFill>
+              </a:rPr>
+              <a:t>From Agent 1</a:t>
+            </a:r>
+            <a:endParaRPr lang="LID4096" sz="800" b="1" dirty="0">
+              <a:solidFill>
+                <a:schemeClr val="accent1"/>
+              </a:solidFill>
+            </a:endParaRPr>
+          </a:p>
+        </p:txBody>
+      </p:sp>
+      <p:sp>
+        <p:nvSpPr>
+          <p:cNvPr id="47" name="TextBox 46">
+            <a:extLst>
+              <a:ext uri="{FF2B5EF4-FFF2-40B4-BE49-F238E27FC236}">
+                <a16:creationId xmlns:a16="http://schemas.microsoft.com/office/drawing/2014/main" id="{84EAEDD9-B633-47AD-8ED9-1A9065D0D26A}"/>
+              </a:ext>
+            </a:extLst>
+          </p:cNvPr>
+          <p:cNvSpPr txBox="1"/>
+          <p:nvPr/>
+        </p:nvSpPr>
+        <p:spPr>
+          <a:xfrm>
+            <a:off x="4713138" y="2893516"/>
+            <a:ext cx="868537" cy="215444"/>
+          </a:xfrm>
+          <a:prstGeom prst="rect">
+            <a:avLst/>
+          </a:prstGeom>
+          <a:noFill/>
+        </p:spPr>
+        <p:txBody>
+          <a:bodyPr wrap="square" rtlCol="0">
+            <a:spAutoFit/>
+          </a:bodyPr>
+          <a:lstStyle/>
+          <a:p>
+            <a:r>
+              <a:rPr lang="en-US" sz="800" b="1" dirty="0">
+                <a:solidFill>
+                  <a:schemeClr val="accent1"/>
+                </a:solidFill>
+              </a:rPr>
+              <a:t>From Agent 2</a:t>
+            </a:r>
+            <a:endParaRPr lang="LID4096" sz="800" b="1" dirty="0">
+              <a:solidFill>
+                <a:schemeClr val="accent1"/>
+              </a:solidFill>
+            </a:endParaRPr>
+          </a:p>
+        </p:txBody>
+      </p:sp>
+      <p:pic>
+        <p:nvPicPr>
+          <p:cNvPr id="34" name="Picture 2" descr="DNA String Double Helix transparent PNG - StickPNG">
+            <a:extLst>
+              <a:ext uri="{FF2B5EF4-FFF2-40B4-BE49-F238E27FC236}">
+                <a16:creationId xmlns:a16="http://schemas.microsoft.com/office/drawing/2014/main" id="{6E34EEB4-D6D9-4E9F-B671-C1200568BD43}"/>
+              </a:ext>
+            </a:extLst>
+          </p:cNvPr>
+          <p:cNvPicPr>
+            <a:picLocks noChangeAspect="1" noChangeArrowheads="1"/>
+          </p:cNvPicPr>
+          <p:nvPr/>
+        </p:nvPicPr>
+        <p:blipFill>
+          <a:blip r:embed="rId4">
+            <a:duotone>
+              <a:schemeClr val="accent6">
+                <a:shade val="45000"/>
+                <a:satMod val="135000"/>
+              </a:schemeClr>
+              <a:prstClr val="white"/>
+            </a:duotone>
+            <a:extLst>
+              <a:ext uri="{28A0092B-C50C-407E-A947-70E740481C1C}">
+                <a14:useLocalDpi xmlns:a14="http://schemas.microsoft.com/office/drawing/2010/main" val="0"/>
+              </a:ext>
+            </a:extLst>
+          </a:blip>
+          <a:srcRect/>
+          <a:stretch>
+            <a:fillRect/>
+          </a:stretch>
+        </p:blipFill>
+        <p:spPr bwMode="auto">
+          <a:xfrm rot="4909768">
+            <a:off x="2307544" y="1098783"/>
+            <a:ext cx="870217" cy="697130"/>
+          </a:xfrm>
+          <a:prstGeom prst="rect">
+            <a:avLst/>
+          </a:prstGeom>
+          <a:noFill/>
+          <a:extLst>
+            <a:ext uri="{909E8E84-426E-40DD-AFC4-6F175D3DCCD1}">
+              <a14:hiddenFill xmlns:a14="http://schemas.microsoft.com/office/drawing/2010/main">
+                <a:solidFill>
+                  <a:srgbClr val="FFFFFF"/>
+                </a:solidFill>
+              </a14:hiddenFill>
+            </a:ext>
+          </a:extLst>
+        </p:spPr>
+      </p:pic>
+      <p:pic>
+        <p:nvPicPr>
+          <p:cNvPr id="35" name="Picture 2" descr="DNA String Double Helix transparent PNG - StickPNG">
+            <a:extLst>
+              <a:ext uri="{FF2B5EF4-FFF2-40B4-BE49-F238E27FC236}">
+                <a16:creationId xmlns:a16="http://schemas.microsoft.com/office/drawing/2014/main" id="{46F95ADE-71BC-4B59-A814-4E69C1594F52}"/>
+              </a:ext>
+            </a:extLst>
+          </p:cNvPr>
+          <p:cNvPicPr>
+            <a:picLocks noChangeAspect="1" noChangeArrowheads="1"/>
+          </p:cNvPicPr>
+          <p:nvPr/>
+        </p:nvPicPr>
+        <p:blipFill>
+          <a:blip r:embed="rId4">
+            <a:duotone>
+              <a:schemeClr val="accent4">
+                <a:shade val="45000"/>
+                <a:satMod val="135000"/>
+              </a:schemeClr>
+              <a:prstClr val="white"/>
+            </a:duotone>
+            <a:extLst>
+              <a:ext uri="{28A0092B-C50C-407E-A947-70E740481C1C}">
+                <a14:useLocalDpi xmlns:a14="http://schemas.microsoft.com/office/drawing/2010/main" val="0"/>
+              </a:ext>
+            </a:extLst>
+          </a:blip>
+          <a:srcRect/>
+          <a:stretch>
+            <a:fillRect/>
+          </a:stretch>
+        </p:blipFill>
+        <p:spPr bwMode="auto">
+          <a:xfrm rot="4909768">
+            <a:off x="3777575" y="1070279"/>
+            <a:ext cx="870217" cy="697130"/>
+          </a:xfrm>
+          <a:prstGeom prst="rect">
+            <a:avLst/>
+          </a:prstGeom>
+          <a:noFill/>
+          <a:extLst>
+            <a:ext uri="{909E8E84-426E-40DD-AFC4-6F175D3DCCD1}">
+              <a14:hiddenFill xmlns:a14="http://schemas.microsoft.com/office/drawing/2010/main">
+                <a:solidFill>
+                  <a:srgbClr val="FFFFFF"/>
+                </a:solidFill>
+              </a14:hiddenFill>
+            </a:ext>
+          </a:extLst>
+        </p:spPr>
+      </p:pic>
+      <p:pic>
+        <p:nvPicPr>
+          <p:cNvPr id="37" name="Picture 2" descr="DNA String Double Helix transparent PNG - StickPNG">
+            <a:extLst>
+              <a:ext uri="{FF2B5EF4-FFF2-40B4-BE49-F238E27FC236}">
+                <a16:creationId xmlns:a16="http://schemas.microsoft.com/office/drawing/2014/main" id="{EE55534A-8801-453F-85B6-448A8F7D00CF}"/>
+              </a:ext>
+            </a:extLst>
+          </p:cNvPr>
+          <p:cNvPicPr>
+            <a:picLocks noChangeAspect="1" noChangeArrowheads="1"/>
+          </p:cNvPicPr>
+          <p:nvPr/>
+        </p:nvPicPr>
+        <p:blipFill>
+          <a:blip r:embed="rId4">
+            <a:duotone>
+              <a:schemeClr val="accent2">
+                <a:shade val="45000"/>
+                <a:satMod val="135000"/>
+              </a:schemeClr>
+              <a:prstClr val="white"/>
+            </a:duotone>
+            <a:extLst>
+              <a:ext uri="{28A0092B-C50C-407E-A947-70E740481C1C}">
+                <a14:useLocalDpi xmlns:a14="http://schemas.microsoft.com/office/drawing/2010/main" val="0"/>
+              </a:ext>
+            </a:extLst>
+          </a:blip>
+          <a:srcRect/>
+          <a:stretch>
+            <a:fillRect/>
+          </a:stretch>
+        </p:blipFill>
+        <p:spPr bwMode="auto">
+          <a:xfrm rot="4909768">
+            <a:off x="5317876" y="1070280"/>
+            <a:ext cx="870217" cy="697130"/>
+          </a:xfrm>
+          <a:prstGeom prst="rect">
+            <a:avLst/>
+          </a:prstGeom>
+          <a:noFill/>
+          <a:extLst>
+            <a:ext uri="{909E8E84-426E-40DD-AFC4-6F175D3DCCD1}">
+              <a14:hiddenFill xmlns:a14="http://schemas.microsoft.com/office/drawing/2010/main">
+                <a:solidFill>
+                  <a:srgbClr val="FFFFFF"/>
+                </a:solidFill>
+              </a14:hiddenFill>
+            </a:ext>
+          </a:extLst>
+        </p:spPr>
+      </p:pic>
       <p:cxnSp>
         <p:nvCxnSpPr>
-          <p:cNvPr id="26" name="Straight Connector 25">
+          <p:cNvPr id="38" name="Straight Connector 37">
             <a:extLst>
               <a:ext uri="{FF2B5EF4-FFF2-40B4-BE49-F238E27FC236}">
-                <a16:creationId xmlns:a16="http://schemas.microsoft.com/office/drawing/2014/main" id="{AFA5A86D-FB8A-4C51-85ED-D36BD458FD2F}"/>
+                <a16:creationId xmlns:a16="http://schemas.microsoft.com/office/drawing/2014/main" id="{3D60E73A-E3CE-4BD8-AB15-BF1B7FC955A2}"/>
               </a:ext>
             </a:extLst>
           </p:cNvPr>
           <p:cNvCxnSpPr>
             <a:cxnSpLocks/>
-            <a:endCxn id="42" idx="3"/>
+            <a:stCxn id="42" idx="1"/>
           </p:cNvCxnSpPr>
           <p:nvPr/>
         </p:nvCxnSpPr>
         <p:spPr>
-          <a:xfrm flipH="1">
-            <a:off x="4099287" y="4988772"/>
-            <a:ext cx="556982" cy="334361"/>
+          <a:xfrm flipH="1" flipV="1">
+            <a:off x="3969358" y="2680383"/>
+            <a:ext cx="743780" cy="80193"/>
+          </a:xfrm>
+          <a:prstGeom prst="line">
+            <a:avLst/>
+          </a:prstGeom>
+          <a:ln w="28575">
+            <a:solidFill>
+              <a:srgbClr val="FF0000"/>
+            </a:solidFill>
+            <a:headEnd type="oval" w="med" len="med"/>
+            <a:tailEnd type="oval" w="med" len="med"/>
+          </a:ln>
+        </p:spPr>
+        <p:style>
+          <a:lnRef idx="1">
+            <a:schemeClr val="accent1"/>
+          </a:lnRef>
+          <a:fillRef idx="0">
+            <a:schemeClr val="accent1"/>
+          </a:fillRef>
+          <a:effectRef idx="0">
+            <a:schemeClr val="accent1"/>
+          </a:effectRef>
+          <a:fontRef idx="minor">
+            <a:schemeClr val="tx1"/>
+          </a:fontRef>
+        </p:style>
+      </p:cxnSp>
+      <p:sp>
+        <p:nvSpPr>
+          <p:cNvPr id="41" name="TextBox 40">
+            <a:extLst>
+              <a:ext uri="{FF2B5EF4-FFF2-40B4-BE49-F238E27FC236}">
+                <a16:creationId xmlns:a16="http://schemas.microsoft.com/office/drawing/2014/main" id="{14CCF95C-3798-42FE-B385-73C6D33D2322}"/>
+              </a:ext>
+            </a:extLst>
+          </p:cNvPr>
+          <p:cNvSpPr txBox="1"/>
+          <p:nvPr/>
+        </p:nvSpPr>
+        <p:spPr>
+          <a:xfrm>
+            <a:off x="4720085" y="3319441"/>
+            <a:ext cx="868537" cy="215444"/>
+          </a:xfrm>
+          <a:prstGeom prst="rect">
+            <a:avLst/>
+          </a:prstGeom>
+          <a:noFill/>
+        </p:spPr>
+        <p:txBody>
+          <a:bodyPr wrap="square" rtlCol="0">
+            <a:spAutoFit/>
+          </a:bodyPr>
+          <a:lstStyle/>
+          <a:p>
+            <a:r>
+              <a:rPr lang="en-US" sz="800" b="1" dirty="0">
+                <a:solidFill>
+                  <a:schemeClr val="accent1"/>
+                </a:solidFill>
+              </a:rPr>
+              <a:t>From Agent n</a:t>
+            </a:r>
+            <a:endParaRPr lang="LID4096" sz="800" b="1" dirty="0">
+              <a:solidFill>
+                <a:schemeClr val="accent1"/>
+              </a:solidFill>
+            </a:endParaRPr>
+          </a:p>
+        </p:txBody>
+      </p:sp>
+      <p:sp>
+        <p:nvSpPr>
+          <p:cNvPr id="44" name="TextBox 43">
+            <a:extLst>
+              <a:ext uri="{FF2B5EF4-FFF2-40B4-BE49-F238E27FC236}">
+                <a16:creationId xmlns:a16="http://schemas.microsoft.com/office/drawing/2014/main" id="{35DA1AEC-C583-40A8-927B-1600A36985CA}"/>
+              </a:ext>
+            </a:extLst>
+          </p:cNvPr>
+          <p:cNvSpPr txBox="1"/>
+          <p:nvPr/>
+        </p:nvSpPr>
+        <p:spPr>
+          <a:xfrm>
+            <a:off x="4774098" y="3550378"/>
+            <a:ext cx="868537" cy="215444"/>
+          </a:xfrm>
+          <a:prstGeom prst="rect">
+            <a:avLst/>
+          </a:prstGeom>
+          <a:noFill/>
+        </p:spPr>
+        <p:txBody>
+          <a:bodyPr wrap="square" rtlCol="0">
+            <a:spAutoFit/>
+          </a:bodyPr>
+          <a:lstStyle/>
+          <a:p>
+            <a:r>
+              <a:rPr lang="en-US" sz="800" b="1" dirty="0">
+                <a:solidFill>
+                  <a:schemeClr val="accent1"/>
+                </a:solidFill>
+              </a:rPr>
+              <a:t>Mutation</a:t>
+            </a:r>
+            <a:endParaRPr lang="LID4096" sz="800" b="1" dirty="0">
+              <a:solidFill>
+                <a:schemeClr val="accent1"/>
+              </a:solidFill>
+            </a:endParaRPr>
+          </a:p>
+        </p:txBody>
+      </p:sp>
+      <p:cxnSp>
+        <p:nvCxnSpPr>
+          <p:cNvPr id="45" name="Straight Connector 44">
+            <a:extLst>
+              <a:ext uri="{FF2B5EF4-FFF2-40B4-BE49-F238E27FC236}">
+                <a16:creationId xmlns:a16="http://schemas.microsoft.com/office/drawing/2014/main" id="{4910C2AF-AD3D-4230-887A-D5EC7D8C426B}"/>
+              </a:ext>
+            </a:extLst>
+          </p:cNvPr>
+          <p:cNvCxnSpPr>
+            <a:cxnSpLocks/>
+            <a:stCxn id="47" idx="1"/>
+          </p:cNvCxnSpPr>
+          <p:nvPr/>
+        </p:nvCxnSpPr>
+        <p:spPr>
+          <a:xfrm flipH="1" flipV="1">
+            <a:off x="3932091" y="2895971"/>
+            <a:ext cx="781047" cy="105267"/>
           </a:xfrm>
           <a:prstGeom prst="line">
             <a:avLst/>
@@ -12917,23 +13140,23 @@
       </p:cxnSp>
       <p:cxnSp>
         <p:nvCxnSpPr>
-          <p:cNvPr id="31" name="Straight Connector 30">
+          <p:cNvPr id="48" name="Straight Connector 47">
             <a:extLst>
               <a:ext uri="{FF2B5EF4-FFF2-40B4-BE49-F238E27FC236}">
-                <a16:creationId xmlns:a16="http://schemas.microsoft.com/office/drawing/2014/main" id="{11684255-49BE-4CB3-99A1-E3EC00F7BE87}"/>
+                <a16:creationId xmlns:a16="http://schemas.microsoft.com/office/drawing/2014/main" id="{ED35E8EE-65A7-4191-B13F-F6F5D20AA5CE}"/>
               </a:ext>
             </a:extLst>
           </p:cNvPr>
           <p:cNvCxnSpPr>
             <a:cxnSpLocks/>
-            <a:endCxn id="49" idx="3"/>
+            <a:stCxn id="41" idx="1"/>
           </p:cNvCxnSpPr>
           <p:nvPr/>
         </p:nvCxnSpPr>
         <p:spPr>
-          <a:xfrm flipH="1">
-            <a:off x="4750900" y="5162550"/>
-            <a:ext cx="742448" cy="652076"/>
+          <a:xfrm flipH="1" flipV="1">
+            <a:off x="4000500" y="3303948"/>
+            <a:ext cx="719585" cy="123215"/>
           </a:xfrm>
           <a:prstGeom prst="line">
             <a:avLst/>
@@ -12963,23 +13186,24 @@
       </p:cxnSp>
       <p:cxnSp>
         <p:nvCxnSpPr>
-          <p:cNvPr id="36" name="Straight Connector 35">
+          <p:cNvPr id="54" name="Straight Connector 53">
             <a:extLst>
               <a:ext uri="{FF2B5EF4-FFF2-40B4-BE49-F238E27FC236}">
-                <a16:creationId xmlns:a16="http://schemas.microsoft.com/office/drawing/2014/main" id="{F2DBF81A-E596-40E5-9FA0-70270C2AB01D}"/>
+                <a16:creationId xmlns:a16="http://schemas.microsoft.com/office/drawing/2014/main" id="{F057A979-EFD1-4424-AAEB-CE1DB6D8D2E3}"/>
               </a:ext>
             </a:extLst>
           </p:cNvPr>
           <p:cNvCxnSpPr>
             <a:cxnSpLocks/>
-            <a:endCxn id="51" idx="3"/>
+            <a:stCxn id="44" idx="1"/>
+            <a:endCxn id="25" idx="3"/>
           </p:cNvCxnSpPr>
           <p:nvPr/>
         </p:nvCxnSpPr>
         <p:spPr>
-          <a:xfrm flipH="1">
-            <a:off x="5182337" y="5162550"/>
-            <a:ext cx="534826" cy="861067"/>
+          <a:xfrm flipH="1" flipV="1">
+            <a:off x="3953306" y="3525309"/>
+            <a:ext cx="820792" cy="132791"/>
           </a:xfrm>
           <a:prstGeom prst="line">
             <a:avLst/>
@@ -13009,10 +13233,10 @@
       </p:cxnSp>
       <p:sp>
         <p:nvSpPr>
-          <p:cNvPr id="42" name="TextBox 41">
+          <p:cNvPr id="55" name="TextBox 54">
             <a:extLst>
               <a:ext uri="{FF2B5EF4-FFF2-40B4-BE49-F238E27FC236}">
-                <a16:creationId xmlns:a16="http://schemas.microsoft.com/office/drawing/2014/main" id="{E4F2E7B2-3E5C-43F1-BA7F-D5CA06202168}"/>
+                <a16:creationId xmlns:a16="http://schemas.microsoft.com/office/drawing/2014/main" id="{4B9DA11F-FB21-4047-AF01-E174946215D1}"/>
               </a:ext>
             </a:extLst>
           </p:cNvPr>
@@ -13021,7 +13245,454 @@
         </p:nvSpPr>
         <p:spPr>
           <a:xfrm>
-            <a:off x="3230750" y="5215411"/>
+            <a:off x="630626" y="3904531"/>
+            <a:ext cx="1606352" cy="246221"/>
+          </a:xfrm>
+          <a:prstGeom prst="rect">
+            <a:avLst/>
+          </a:prstGeom>
+          <a:noFill/>
+        </p:spPr>
+        <p:txBody>
+          <a:bodyPr wrap="square" rtlCol="0">
+            <a:spAutoFit/>
+          </a:bodyPr>
+          <a:lstStyle/>
+          <a:p>
+            <a:pPr algn="ctr"/>
+            <a:r>
+              <a:rPr lang="en-US" sz="1000" b="1" dirty="0">
+                <a:solidFill>
+                  <a:schemeClr val="accent1"/>
+                </a:solidFill>
+              </a:rPr>
+              <a:t>Average</a:t>
+            </a:r>
+            <a:endParaRPr lang="LID4096" sz="1000" b="1" dirty="0">
+              <a:solidFill>
+                <a:schemeClr val="accent1"/>
+              </a:solidFill>
+            </a:endParaRPr>
+          </a:p>
+        </p:txBody>
+      </p:sp>
+      <p:sp>
+        <p:nvSpPr>
+          <p:cNvPr id="56" name="TextBox 55">
+            <a:extLst>
+              <a:ext uri="{FF2B5EF4-FFF2-40B4-BE49-F238E27FC236}">
+                <a16:creationId xmlns:a16="http://schemas.microsoft.com/office/drawing/2014/main" id="{BA65EDB8-CF09-46A4-864E-A73223929F2E}"/>
+              </a:ext>
+            </a:extLst>
+          </p:cNvPr>
+          <p:cNvSpPr txBox="1"/>
+          <p:nvPr/>
+        </p:nvSpPr>
+        <p:spPr>
+          <a:xfrm>
+            <a:off x="3531910" y="3904531"/>
+            <a:ext cx="1606352" cy="246221"/>
+          </a:xfrm>
+          <a:prstGeom prst="rect">
+            <a:avLst/>
+          </a:prstGeom>
+          <a:noFill/>
+        </p:spPr>
+        <p:txBody>
+          <a:bodyPr wrap="square" rtlCol="0">
+            <a:spAutoFit/>
+          </a:bodyPr>
+          <a:lstStyle/>
+          <a:p>
+            <a:pPr algn="ctr"/>
+            <a:r>
+              <a:rPr lang="en-US" sz="1000" b="1" dirty="0">
+                <a:solidFill>
+                  <a:schemeClr val="accent1"/>
+                </a:solidFill>
+              </a:rPr>
+              <a:t>Weighted Average</a:t>
+            </a:r>
+            <a:endParaRPr lang="LID4096" sz="1000" b="1" dirty="0">
+              <a:solidFill>
+                <a:schemeClr val="accent1"/>
+              </a:solidFill>
+            </a:endParaRPr>
+          </a:p>
+        </p:txBody>
+      </p:sp>
+      <p:sp>
+        <p:nvSpPr>
+          <p:cNvPr id="57" name="TextBox 56">
+            <a:extLst>
+              <a:ext uri="{FF2B5EF4-FFF2-40B4-BE49-F238E27FC236}">
+                <a16:creationId xmlns:a16="http://schemas.microsoft.com/office/drawing/2014/main" id="{1B185423-C15A-4F86-BC49-ED6730DB2160}"/>
+              </a:ext>
+            </a:extLst>
+          </p:cNvPr>
+          <p:cNvSpPr txBox="1"/>
+          <p:nvPr/>
+        </p:nvSpPr>
+        <p:spPr>
+          <a:xfrm>
+            <a:off x="6739930" y="3904530"/>
+            <a:ext cx="1606352" cy="246221"/>
+          </a:xfrm>
+          <a:prstGeom prst="rect">
+            <a:avLst/>
+          </a:prstGeom>
+          <a:noFill/>
+        </p:spPr>
+        <p:txBody>
+          <a:bodyPr wrap="square" rtlCol="0">
+            <a:spAutoFit/>
+          </a:bodyPr>
+          <a:lstStyle/>
+          <a:p>
+            <a:pPr algn="ctr"/>
+            <a:r>
+              <a:rPr lang="en-US" sz="1000" b="1" dirty="0">
+                <a:solidFill>
+                  <a:schemeClr val="accent1"/>
+                </a:solidFill>
+              </a:rPr>
+              <a:t>Evolutionary</a:t>
+            </a:r>
+            <a:endParaRPr lang="LID4096" sz="1000" b="1" dirty="0">
+              <a:solidFill>
+                <a:schemeClr val="accent1"/>
+              </a:solidFill>
+            </a:endParaRPr>
+          </a:p>
+        </p:txBody>
+      </p:sp>
+      <p:grpSp>
+        <p:nvGrpSpPr>
+          <p:cNvPr id="59" name="Group 58">
+            <a:extLst>
+              <a:ext uri="{FF2B5EF4-FFF2-40B4-BE49-F238E27FC236}">
+                <a16:creationId xmlns:a16="http://schemas.microsoft.com/office/drawing/2014/main" id="{B7374FF3-53F2-4D45-B5D5-8B0356BA0E3E}"/>
+              </a:ext>
+            </a:extLst>
+          </p:cNvPr>
+          <p:cNvGrpSpPr/>
+          <p:nvPr/>
+        </p:nvGrpSpPr>
+        <p:grpSpPr>
+          <a:xfrm rot="4922982">
+            <a:off x="636015" y="4514943"/>
+            <a:ext cx="1599106" cy="1120763"/>
+            <a:chOff x="3640991" y="4881032"/>
+            <a:chExt cx="1676325" cy="1235921"/>
+          </a:xfrm>
+        </p:grpSpPr>
+        <p:pic>
+          <p:nvPicPr>
+            <p:cNvPr id="63" name="Picture 2" descr="DNA String Double Helix transparent PNG - StickPNG">
+              <a:extLst>
+                <a:ext uri="{FF2B5EF4-FFF2-40B4-BE49-F238E27FC236}">
+                  <a16:creationId xmlns:a16="http://schemas.microsoft.com/office/drawing/2014/main" id="{17A15389-2D72-47D8-B555-021B170218A8}"/>
+                </a:ext>
+              </a:extLst>
+            </p:cNvPr>
+            <p:cNvPicPr>
+              <a:picLocks noChangeAspect="1" noChangeArrowheads="1"/>
+            </p:cNvPicPr>
+            <p:nvPr/>
+          </p:nvPicPr>
+          <p:blipFill rotWithShape="1">
+            <a:blip r:embed="rId4">
+              <a:duotone>
+                <a:schemeClr val="accent2">
+                  <a:shade val="45000"/>
+                  <a:satMod val="135000"/>
+                </a:schemeClr>
+                <a:prstClr val="white"/>
+              </a:duotone>
+              <a:extLst>
+                <a:ext uri="{28A0092B-C50C-407E-A947-70E740481C1C}">
+                  <a14:useLocalDpi xmlns:a14="http://schemas.microsoft.com/office/drawing/2010/main" val="0"/>
+                </a:ext>
+              </a:extLst>
+            </a:blip>
+            <a:srcRect l="61512" r="-1697"/>
+            <a:stretch/>
+          </p:blipFill>
+          <p:spPr bwMode="auto">
+            <a:xfrm>
+              <a:off x="4652977" y="4881032"/>
+              <a:ext cx="664339" cy="1235918"/>
+            </a:xfrm>
+            <a:prstGeom prst="rect">
+              <a:avLst/>
+            </a:prstGeom>
+            <a:noFill/>
+            <a:extLst>
+              <a:ext uri="{909E8E84-426E-40DD-AFC4-6F175D3DCCD1}">
+                <a14:hiddenFill xmlns:a14="http://schemas.microsoft.com/office/drawing/2010/main">
+                  <a:solidFill>
+                    <a:srgbClr val="FFFFFF"/>
+                  </a:solidFill>
+                </a14:hiddenFill>
+              </a:ext>
+            </a:extLst>
+          </p:spPr>
+        </p:pic>
+        <p:pic>
+          <p:nvPicPr>
+            <p:cNvPr id="60" name="Picture 2" descr="DNA String Double Helix transparent PNG - StickPNG">
+              <a:extLst>
+                <a:ext uri="{FF2B5EF4-FFF2-40B4-BE49-F238E27FC236}">
+                  <a16:creationId xmlns:a16="http://schemas.microsoft.com/office/drawing/2014/main" id="{A80E9AA8-BC06-4C66-87C3-969056348187}"/>
+                </a:ext>
+              </a:extLst>
+            </p:cNvPr>
+            <p:cNvPicPr>
+              <a:picLocks noChangeAspect="1" noChangeArrowheads="1"/>
+            </p:cNvPicPr>
+            <p:nvPr/>
+          </p:nvPicPr>
+          <p:blipFill rotWithShape="1">
+            <a:blip r:embed="rId4">
+              <a:extLst>
+                <a:ext uri="{28A0092B-C50C-407E-A947-70E740481C1C}">
+                  <a14:useLocalDpi xmlns:a14="http://schemas.microsoft.com/office/drawing/2010/main" val="0"/>
+                </a:ext>
+              </a:extLst>
+            </a:blip>
+            <a:srcRect r="74093"/>
+            <a:stretch/>
+          </p:blipFill>
+          <p:spPr bwMode="auto">
+            <a:xfrm>
+              <a:off x="3640991" y="4881035"/>
+              <a:ext cx="428313" cy="1235918"/>
+            </a:xfrm>
+            <a:prstGeom prst="rect">
+              <a:avLst/>
+            </a:prstGeom>
+            <a:noFill/>
+            <a:extLst>
+              <a:ext uri="{909E8E84-426E-40DD-AFC4-6F175D3DCCD1}">
+                <a14:hiddenFill xmlns:a14="http://schemas.microsoft.com/office/drawing/2010/main">
+                  <a:solidFill>
+                    <a:srgbClr val="FFFFFF"/>
+                  </a:solidFill>
+                </a14:hiddenFill>
+              </a:ext>
+            </a:extLst>
+          </p:spPr>
+        </p:pic>
+        <p:pic>
+          <p:nvPicPr>
+            <p:cNvPr id="61" name="Picture 2" descr="DNA String Double Helix transparent PNG - StickPNG">
+              <a:extLst>
+                <a:ext uri="{FF2B5EF4-FFF2-40B4-BE49-F238E27FC236}">
+                  <a16:creationId xmlns:a16="http://schemas.microsoft.com/office/drawing/2014/main" id="{886116F7-C12E-40DA-8B75-A43348F9969C}"/>
+                </a:ext>
+              </a:extLst>
+            </p:cNvPr>
+            <p:cNvPicPr>
+              <a:picLocks noChangeAspect="1" noChangeArrowheads="1"/>
+            </p:cNvPicPr>
+            <p:nvPr/>
+          </p:nvPicPr>
+          <p:blipFill rotWithShape="1">
+            <a:blip r:embed="rId4">
+              <a:duotone>
+                <a:schemeClr val="accent6">
+                  <a:shade val="45000"/>
+                  <a:satMod val="135000"/>
+                </a:schemeClr>
+                <a:prstClr val="white"/>
+              </a:duotone>
+              <a:extLst>
+                <a:ext uri="{28A0092B-C50C-407E-A947-70E740481C1C}">
+                  <a14:useLocalDpi xmlns:a14="http://schemas.microsoft.com/office/drawing/2010/main" val="0"/>
+                </a:ext>
+              </a:extLst>
+            </a:blip>
+            <a:srcRect l="24664" r="47528"/>
+            <a:stretch/>
+          </p:blipFill>
+          <p:spPr bwMode="auto">
+            <a:xfrm>
+              <a:off x="4048763" y="4881034"/>
+              <a:ext cx="459735" cy="1235918"/>
+            </a:xfrm>
+            <a:prstGeom prst="rect">
+              <a:avLst/>
+            </a:prstGeom>
+            <a:noFill/>
+            <a:extLst>
+              <a:ext uri="{909E8E84-426E-40DD-AFC4-6F175D3DCCD1}">
+                <a14:hiddenFill xmlns:a14="http://schemas.microsoft.com/office/drawing/2010/main">
+                  <a:solidFill>
+                    <a:srgbClr val="FFFFFF"/>
+                  </a:solidFill>
+                </a14:hiddenFill>
+              </a:ext>
+            </a:extLst>
+          </p:spPr>
+        </p:pic>
+        <p:pic>
+          <p:nvPicPr>
+            <p:cNvPr id="62" name="Picture 2" descr="DNA String Double Helix transparent PNG - StickPNG">
+              <a:extLst>
+                <a:ext uri="{FF2B5EF4-FFF2-40B4-BE49-F238E27FC236}">
+                  <a16:creationId xmlns:a16="http://schemas.microsoft.com/office/drawing/2014/main" id="{B34D4786-E658-49D2-9205-94FBFC36ED47}"/>
+                </a:ext>
+              </a:extLst>
+            </p:cNvPr>
+            <p:cNvPicPr>
+              <a:picLocks noChangeAspect="1" noChangeArrowheads="1"/>
+            </p:cNvPicPr>
+            <p:nvPr/>
+          </p:nvPicPr>
+          <p:blipFill rotWithShape="1">
+            <a:blip r:embed="rId4">
+              <a:duotone>
+                <a:schemeClr val="accent4">
+                  <a:shade val="45000"/>
+                  <a:satMod val="135000"/>
+                </a:schemeClr>
+                <a:prstClr val="white"/>
+              </a:duotone>
+              <a:extLst>
+                <a:ext uri="{28A0092B-C50C-407E-A947-70E740481C1C}">
+                  <a14:useLocalDpi xmlns:a14="http://schemas.microsoft.com/office/drawing/2010/main" val="0"/>
+                </a:ext>
+              </a:extLst>
+            </a:blip>
+            <a:srcRect l="52473" r="24337"/>
+            <a:stretch/>
+          </p:blipFill>
+          <p:spPr bwMode="auto">
+            <a:xfrm>
+              <a:off x="4508497" y="4881032"/>
+              <a:ext cx="383393" cy="1235918"/>
+            </a:xfrm>
+            <a:prstGeom prst="rect">
+              <a:avLst/>
+            </a:prstGeom>
+            <a:noFill/>
+            <a:extLst>
+              <a:ext uri="{909E8E84-426E-40DD-AFC4-6F175D3DCCD1}">
+                <a14:hiddenFill xmlns:a14="http://schemas.microsoft.com/office/drawing/2010/main">
+                  <a:solidFill>
+                    <a:srgbClr val="FFFFFF"/>
+                  </a:solidFill>
+                </a14:hiddenFill>
+              </a:ext>
+            </a:extLst>
+          </p:spPr>
+        </p:pic>
+      </p:grpSp>
+      <p:sp>
+        <p:nvSpPr>
+          <p:cNvPr id="66" name="TextBox 65">
+            <a:extLst>
+              <a:ext uri="{FF2B5EF4-FFF2-40B4-BE49-F238E27FC236}">
+                <a16:creationId xmlns:a16="http://schemas.microsoft.com/office/drawing/2014/main" id="{76B24D30-6606-4E4A-9209-E7888C524722}"/>
+              </a:ext>
+            </a:extLst>
+          </p:cNvPr>
+          <p:cNvSpPr txBox="1"/>
+          <p:nvPr/>
+        </p:nvSpPr>
+        <p:spPr>
+          <a:xfrm>
+            <a:off x="1036119" y="1803562"/>
+            <a:ext cx="605972" cy="246221"/>
+          </a:xfrm>
+          <a:prstGeom prst="rect">
+            <a:avLst/>
+          </a:prstGeom>
+          <a:noFill/>
+        </p:spPr>
+        <p:txBody>
+          <a:bodyPr wrap="square" rtlCol="0">
+            <a:spAutoFit/>
+          </a:bodyPr>
+          <a:lstStyle/>
+          <a:p>
+            <a:pPr algn="ctr"/>
+            <a:r>
+              <a:rPr lang="en-US" sz="1000" b="1" dirty="0">
+                <a:solidFill>
+                  <a:schemeClr val="accent1"/>
+                </a:solidFill>
+              </a:rPr>
+              <a:t>DNA 1</a:t>
+            </a:r>
+            <a:endParaRPr lang="LID4096" sz="1000" b="1" dirty="0">
+              <a:solidFill>
+                <a:schemeClr val="accent1"/>
+              </a:solidFill>
+            </a:endParaRPr>
+          </a:p>
+        </p:txBody>
+      </p:sp>
+      <p:sp>
+        <p:nvSpPr>
+          <p:cNvPr id="67" name="TextBox 66">
+            <a:extLst>
+              <a:ext uri="{FF2B5EF4-FFF2-40B4-BE49-F238E27FC236}">
+                <a16:creationId xmlns:a16="http://schemas.microsoft.com/office/drawing/2014/main" id="{1C3CC31E-ABB9-49AB-A9D4-DED920AE767A}"/>
+              </a:ext>
+            </a:extLst>
+          </p:cNvPr>
+          <p:cNvSpPr txBox="1"/>
+          <p:nvPr/>
+        </p:nvSpPr>
+        <p:spPr>
+          <a:xfrm>
+            <a:off x="2415303" y="1817635"/>
+            <a:ext cx="605972" cy="246221"/>
+          </a:xfrm>
+          <a:prstGeom prst="rect">
+            <a:avLst/>
+          </a:prstGeom>
+          <a:noFill/>
+        </p:spPr>
+        <p:txBody>
+          <a:bodyPr wrap="square" rtlCol="0">
+            <a:spAutoFit/>
+          </a:bodyPr>
+          <a:lstStyle/>
+          <a:p>
+            <a:pPr algn="ctr"/>
+            <a:r>
+              <a:rPr lang="en-US" sz="1000" b="1" dirty="0">
+                <a:solidFill>
+                  <a:schemeClr val="accent1"/>
+                </a:solidFill>
+              </a:rPr>
+              <a:t>DNA 2</a:t>
+            </a:r>
+            <a:endParaRPr lang="LID4096" sz="1000" b="1" dirty="0">
+              <a:solidFill>
+                <a:schemeClr val="accent1"/>
+              </a:solidFill>
+            </a:endParaRPr>
+          </a:p>
+        </p:txBody>
+      </p:sp>
+      <p:sp>
+        <p:nvSpPr>
+          <p:cNvPr id="69" name="TextBox 68">
+            <a:extLst>
+              <a:ext uri="{FF2B5EF4-FFF2-40B4-BE49-F238E27FC236}">
+                <a16:creationId xmlns:a16="http://schemas.microsoft.com/office/drawing/2014/main" id="{D2BCF4C2-691D-4D4E-8189-4414E1FBF4DF}"/>
+              </a:ext>
+            </a:extLst>
+          </p:cNvPr>
+          <p:cNvSpPr txBox="1"/>
+          <p:nvPr/>
+        </p:nvSpPr>
+        <p:spPr>
+          <a:xfrm>
+            <a:off x="4713138" y="3114225"/>
             <a:ext cx="868537" cy="215444"/>
           </a:xfrm>
           <a:prstGeom prst="rect">
@@ -13035,14 +13706,13 @@
           </a:bodyPr>
           <a:lstStyle/>
           <a:p>
-            <a:pPr algn="r"/>
             <a:r>
               <a:rPr lang="en-US" sz="800" b="1" dirty="0">
                 <a:solidFill>
                   <a:schemeClr val="accent1"/>
                 </a:solidFill>
               </a:rPr>
-              <a:t>From Agent 1</a:t>
+              <a:t>From Agent …</a:t>
             </a:r>
             <a:endParaRPr lang="LID4096" sz="800" b="1" dirty="0">
               <a:solidFill>
@@ -13054,23 +13724,23 @@
       </p:sp>
       <p:cxnSp>
         <p:nvCxnSpPr>
-          <p:cNvPr id="46" name="Straight Connector 45">
+          <p:cNvPr id="75" name="Straight Connector 74">
             <a:extLst>
               <a:ext uri="{FF2B5EF4-FFF2-40B4-BE49-F238E27FC236}">
-                <a16:creationId xmlns:a16="http://schemas.microsoft.com/office/drawing/2014/main" id="{4A1F9A06-F58A-45D6-B6CB-869B47BD89EE}"/>
+                <a16:creationId xmlns:a16="http://schemas.microsoft.com/office/drawing/2014/main" id="{059F99B1-6A47-4AC6-BB42-2FE9F1E5359C}"/>
               </a:ext>
             </a:extLst>
           </p:cNvPr>
           <p:cNvCxnSpPr>
             <a:cxnSpLocks/>
-            <a:endCxn id="47" idx="3"/>
+            <a:stCxn id="69" idx="1"/>
           </p:cNvCxnSpPr>
           <p:nvPr/>
         </p:nvCxnSpPr>
         <p:spPr>
-          <a:xfrm flipH="1">
-            <a:off x="4379383" y="5048654"/>
-            <a:ext cx="658278" cy="499747"/>
+          <a:xfrm flipH="1" flipV="1">
+            <a:off x="4021931" y="3137601"/>
+            <a:ext cx="691207" cy="84346"/>
           </a:xfrm>
           <a:prstGeom prst="line">
             <a:avLst/>
@@ -13100,10 +13770,10 @@
       </p:cxnSp>
       <p:sp>
         <p:nvSpPr>
-          <p:cNvPr id="47" name="TextBox 46">
+          <p:cNvPr id="80" name="TextBox 79">
             <a:extLst>
               <a:ext uri="{FF2B5EF4-FFF2-40B4-BE49-F238E27FC236}">
-                <a16:creationId xmlns:a16="http://schemas.microsoft.com/office/drawing/2014/main" id="{84EAEDD9-B633-47AD-8ED9-1A9065D0D26A}"/>
+                <a16:creationId xmlns:a16="http://schemas.microsoft.com/office/drawing/2014/main" id="{08466F53-3542-4B5A-9193-A7645B92F9F7}"/>
               </a:ext>
             </a:extLst>
           </p:cNvPr>
@@ -13112,8 +13782,8 @@
         </p:nvSpPr>
         <p:spPr>
           <a:xfrm>
-            <a:off x="3510846" y="5440679"/>
-            <a:ext cx="868537" cy="215444"/>
+            <a:off x="3919349" y="1817195"/>
+            <a:ext cx="605972" cy="246221"/>
           </a:xfrm>
           <a:prstGeom prst="rect">
             <a:avLst/>
@@ -13126,16 +13796,16 @@
           </a:bodyPr>
           <a:lstStyle/>
           <a:p>
-            <a:pPr algn="r"/>
+            <a:pPr algn="ctr"/>
             <a:r>
-              <a:rPr lang="en-US" sz="800" b="1" dirty="0">
+              <a:rPr lang="en-US" sz="1000" b="1" dirty="0">
                 <a:solidFill>
                   <a:schemeClr val="accent1"/>
                 </a:solidFill>
               </a:rPr>
-              <a:t>From Agent 2</a:t>
+              <a:t>DNA …</a:t>
             </a:r>
-            <a:endParaRPr lang="LID4096" sz="800" b="1" dirty="0">
+            <a:endParaRPr lang="LID4096" sz="1000" b="1" dirty="0">
               <a:solidFill>
                 <a:schemeClr val="accent1"/>
               </a:solidFill>
@@ -13145,10 +13815,10 @@
       </p:sp>
       <p:sp>
         <p:nvSpPr>
-          <p:cNvPr id="49" name="TextBox 48">
+          <p:cNvPr id="81" name="TextBox 80">
             <a:extLst>
               <a:ext uri="{FF2B5EF4-FFF2-40B4-BE49-F238E27FC236}">
-                <a16:creationId xmlns:a16="http://schemas.microsoft.com/office/drawing/2014/main" id="{6C4F7A07-693E-4726-A4CF-1428909FBC1C}"/>
+                <a16:creationId xmlns:a16="http://schemas.microsoft.com/office/drawing/2014/main" id="{A580CA58-6B64-4B52-9FD8-924E631A60BD}"/>
               </a:ext>
             </a:extLst>
           </p:cNvPr>
@@ -13157,8 +13827,8 @@
         </p:nvSpPr>
         <p:spPr>
           <a:xfrm>
-            <a:off x="3882363" y="5706904"/>
-            <a:ext cx="868537" cy="215444"/>
+            <a:off x="5497941" y="1812779"/>
+            <a:ext cx="605972" cy="246221"/>
           </a:xfrm>
           <a:prstGeom prst="rect">
             <a:avLst/>
@@ -13171,152 +13841,16 @@
           </a:bodyPr>
           <a:lstStyle/>
           <a:p>
-            <a:pPr algn="r"/>
+            <a:pPr algn="ctr"/>
             <a:r>
-              <a:rPr lang="en-US" sz="800" b="1" dirty="0">
+              <a:rPr lang="en-US" sz="1000" b="1" dirty="0">
                 <a:solidFill>
                   <a:schemeClr val="accent1"/>
                 </a:solidFill>
               </a:rPr>
-              <a:t>From Agent …</a:t>
+              <a:t>DNA n</a:t>
             </a:r>
-            <a:endParaRPr lang="LID4096" sz="800" b="1" dirty="0">
-              <a:solidFill>
-                <a:schemeClr val="accent1"/>
-              </a:solidFill>
-            </a:endParaRPr>
-          </a:p>
-        </p:txBody>
-      </p:sp>
-      <p:sp>
-        <p:nvSpPr>
-          <p:cNvPr id="51" name="TextBox 50">
-            <a:extLst>
-              <a:ext uri="{FF2B5EF4-FFF2-40B4-BE49-F238E27FC236}">
-                <a16:creationId xmlns:a16="http://schemas.microsoft.com/office/drawing/2014/main" id="{A2241BB2-78FE-445C-8BE3-19B2F3A2362A}"/>
-              </a:ext>
-            </a:extLst>
-          </p:cNvPr>
-          <p:cNvSpPr txBox="1"/>
-          <p:nvPr/>
-        </p:nvSpPr>
-        <p:spPr>
-          <a:xfrm>
-            <a:off x="4313800" y="5915895"/>
-            <a:ext cx="868537" cy="215444"/>
-          </a:xfrm>
-          <a:prstGeom prst="rect">
-            <a:avLst/>
-          </a:prstGeom>
-          <a:noFill/>
-        </p:spPr>
-        <p:txBody>
-          <a:bodyPr wrap="square" rtlCol="0">
-            <a:spAutoFit/>
-          </a:bodyPr>
-          <a:lstStyle/>
-          <a:p>
-            <a:pPr algn="r"/>
-            <a:r>
-              <a:rPr lang="en-US" sz="800" b="1" dirty="0">
-                <a:solidFill>
-                  <a:schemeClr val="accent1"/>
-                </a:solidFill>
-              </a:rPr>
-              <a:t>From Agent n</a:t>
-            </a:r>
-            <a:endParaRPr lang="LID4096" sz="800" b="1" dirty="0">
-              <a:solidFill>
-                <a:schemeClr val="accent1"/>
-              </a:solidFill>
-            </a:endParaRPr>
-          </a:p>
-        </p:txBody>
-      </p:sp>
-      <p:cxnSp>
-        <p:nvCxnSpPr>
-          <p:cNvPr id="52" name="Straight Connector 51">
-            <a:extLst>
-              <a:ext uri="{FF2B5EF4-FFF2-40B4-BE49-F238E27FC236}">
-                <a16:creationId xmlns:a16="http://schemas.microsoft.com/office/drawing/2014/main" id="{67B45E74-E390-4D9C-B580-0B63071CC227}"/>
-              </a:ext>
-            </a:extLst>
-          </p:cNvPr>
-          <p:cNvCxnSpPr>
-            <a:cxnSpLocks/>
-            <a:endCxn id="53" idx="3"/>
-          </p:cNvCxnSpPr>
-          <p:nvPr/>
-        </p:nvCxnSpPr>
-        <p:spPr>
-          <a:xfrm flipH="1">
-            <a:off x="5712562" y="5162550"/>
-            <a:ext cx="388677" cy="1080684"/>
-          </a:xfrm>
-          <a:prstGeom prst="line">
-            <a:avLst/>
-          </a:prstGeom>
-          <a:ln w="28575">
-            <a:solidFill>
-              <a:srgbClr val="FF0000"/>
-            </a:solidFill>
-            <a:headEnd type="oval" w="med" len="med"/>
-            <a:tailEnd type="oval" w="med" len="med"/>
-          </a:ln>
-        </p:spPr>
-        <p:style>
-          <a:lnRef idx="1">
-            <a:schemeClr val="accent1"/>
-          </a:lnRef>
-          <a:fillRef idx="0">
-            <a:schemeClr val="accent1"/>
-          </a:fillRef>
-          <a:effectRef idx="0">
-            <a:schemeClr val="accent1"/>
-          </a:effectRef>
-          <a:fontRef idx="minor">
-            <a:schemeClr val="tx1"/>
-          </a:fontRef>
-        </p:style>
-      </p:cxnSp>
-      <p:sp>
-        <p:nvSpPr>
-          <p:cNvPr id="53" name="TextBox 52">
-            <a:extLst>
-              <a:ext uri="{FF2B5EF4-FFF2-40B4-BE49-F238E27FC236}">
-                <a16:creationId xmlns:a16="http://schemas.microsoft.com/office/drawing/2014/main" id="{681F3A6D-3294-4444-B6E9-9BB9BDC2FF96}"/>
-              </a:ext>
-            </a:extLst>
-          </p:cNvPr>
-          <p:cNvSpPr txBox="1"/>
-          <p:nvPr/>
-        </p:nvSpPr>
-        <p:spPr>
-          <a:xfrm>
-            <a:off x="4844025" y="6135512"/>
-            <a:ext cx="868537" cy="215444"/>
-          </a:xfrm>
-          <a:prstGeom prst="rect">
-            <a:avLst/>
-          </a:prstGeom>
-          <a:noFill/>
-        </p:spPr>
-        <p:txBody>
-          <a:bodyPr wrap="square" rtlCol="0">
-            <a:spAutoFit/>
-          </a:bodyPr>
-          <a:lstStyle/>
-          <a:p>
-            <a:pPr algn="r"/>
-            <a:r>
-              <a:rPr lang="en-US" sz="800" b="1" dirty="0">
-                <a:solidFill>
-                  <a:schemeClr val="accent1"/>
-                </a:solidFill>
-              </a:rPr>
-              <a:t>Mutation</a:t>
-            </a:r>
-            <a:endParaRPr lang="LID4096" sz="800" b="1" dirty="0">
+            <a:endParaRPr lang="LID4096" sz="1000" b="1" dirty="0">
               <a:solidFill>
                 <a:schemeClr val="accent1"/>
               </a:solidFill>
@@ -13328,6 +13862,36 @@
     <p:extLst>
       <p:ext uri="{BB962C8B-B14F-4D97-AF65-F5344CB8AC3E}">
         <p14:creationId xmlns:p14="http://schemas.microsoft.com/office/powerpoint/2010/main" val="1383890692"/>
+      </p:ext>
+    </p:extLst>
+  </p:cSld>
+  <p:clrMapOvr>
+    <a:masterClrMapping/>
+  </p:clrMapOvr>
+</p:sld>
+</file>
+
+<file path=ppt/slides/slide3.xml><?xml version="1.0" encoding="utf-8"?>
+<p:sld xmlns:a="http://schemas.openxmlformats.org/drawingml/2006/main" xmlns:r="http://schemas.openxmlformats.org/officeDocument/2006/relationships" xmlns:p="http://schemas.openxmlformats.org/presentationml/2006/main">
+  <p:cSld>
+    <p:spTree>
+      <p:nvGrpSpPr>
+        <p:cNvPr id="1" name=""/>
+        <p:cNvGrpSpPr/>
+        <p:nvPr/>
+      </p:nvGrpSpPr>
+      <p:grpSpPr>
+        <a:xfrm>
+          <a:off x="0" y="0"/>
+          <a:ext cx="0" cy="0"/>
+          <a:chOff x="0" y="0"/>
+          <a:chExt cx="0" cy="0"/>
+        </a:xfrm>
+      </p:grpSpPr>
+    </p:spTree>
+    <p:extLst>
+      <p:ext uri="{BB962C8B-B14F-4D97-AF65-F5344CB8AC3E}">
+        <p14:creationId xmlns:p14="http://schemas.microsoft.com/office/powerpoint/2010/main" val="1225478121"/>
       </p:ext>
     </p:extLst>
   </p:cSld>
